--- a/template.pptx
+++ b/template.pptx
@@ -205,7 +205,7 @@
           <a:p>
             <a:fld id="{04C7BB72-0F92-4277-8BC3-6741867FF1E2}" type="datetimeFigureOut">
               <a:rPr lang="en-US" smtClean="0"/>
-              <a:t>2/16/2023</a:t>
+              <a:t>3/12/2023</a:t>
             </a:fld>
             <a:endParaRPr lang="en-US"/>
           </a:p>
@@ -651,7 +651,7 @@
           <a:p>
             <a:fld id="{5BCAD085-E8A6-8845-BD4E-CB4CCA059FC4}" type="datetimeFigureOut">
               <a:rPr lang="en-US" smtClean="0"/>
-              <a:t>2/16/2023</a:t>
+              <a:t>3/12/2023</a:t>
             </a:fld>
             <a:endParaRPr lang="en-US"/>
           </a:p>
@@ -824,7 +824,7 @@
           <a:p>
             <a:fld id="{5BCAD085-E8A6-8845-BD4E-CB4CCA059FC4}" type="datetimeFigureOut">
               <a:rPr lang="en-US" smtClean="0"/>
-              <a:t>2/16/2023</a:t>
+              <a:t>3/12/2023</a:t>
             </a:fld>
             <a:endParaRPr lang="en-US"/>
           </a:p>
@@ -1007,7 +1007,7 @@
           <a:p>
             <a:fld id="{5BCAD085-E8A6-8845-BD4E-CB4CCA059FC4}" type="datetimeFigureOut">
               <a:rPr lang="en-US" smtClean="0"/>
-              <a:t>2/16/2023</a:t>
+              <a:t>3/12/2023</a:t>
             </a:fld>
             <a:endParaRPr lang="en-US"/>
           </a:p>
@@ -1180,7 +1180,7 @@
           <a:p>
             <a:fld id="{5BCAD085-E8A6-8845-BD4E-CB4CCA059FC4}" type="datetimeFigureOut">
               <a:rPr lang="en-US" smtClean="0"/>
-              <a:t>2/16/2023</a:t>
+              <a:t>3/12/2023</a:t>
             </a:fld>
             <a:endParaRPr lang="en-US"/>
           </a:p>
@@ -1430,7 +1430,7 @@
           <a:p>
             <a:fld id="{5BCAD085-E8A6-8845-BD4E-CB4CCA059FC4}" type="datetimeFigureOut">
               <a:rPr lang="en-US" smtClean="0"/>
-              <a:t>2/16/2023</a:t>
+              <a:t>3/12/2023</a:t>
             </a:fld>
             <a:endParaRPr lang="en-US"/>
           </a:p>
@@ -1720,7 +1720,7 @@
           <a:p>
             <a:fld id="{5BCAD085-E8A6-8845-BD4E-CB4CCA059FC4}" type="datetimeFigureOut">
               <a:rPr lang="en-US" smtClean="0"/>
-              <a:t>2/16/2023</a:t>
+              <a:t>3/12/2023</a:t>
             </a:fld>
             <a:endParaRPr lang="en-US"/>
           </a:p>
@@ -2144,7 +2144,7 @@
           <a:p>
             <a:fld id="{5BCAD085-E8A6-8845-BD4E-CB4CCA059FC4}" type="datetimeFigureOut">
               <a:rPr lang="en-US" smtClean="0"/>
-              <a:t>2/16/2023</a:t>
+              <a:t>3/12/2023</a:t>
             </a:fld>
             <a:endParaRPr lang="en-US"/>
           </a:p>
@@ -2266,7 +2266,7 @@
           <a:p>
             <a:fld id="{5BCAD085-E8A6-8845-BD4E-CB4CCA059FC4}" type="datetimeFigureOut">
               <a:rPr lang="en-US" smtClean="0"/>
-              <a:t>2/16/2023</a:t>
+              <a:t>3/12/2023</a:t>
             </a:fld>
             <a:endParaRPr lang="en-US"/>
           </a:p>
@@ -2366,7 +2366,7 @@
           <a:p>
             <a:fld id="{5BCAD085-E8A6-8845-BD4E-CB4CCA059FC4}" type="datetimeFigureOut">
               <a:rPr lang="en-US" smtClean="0"/>
-              <a:t>2/16/2023</a:t>
+              <a:t>3/12/2023</a:t>
             </a:fld>
             <a:endParaRPr lang="en-US"/>
           </a:p>
@@ -2646,7 +2646,7 @@
           <a:p>
             <a:fld id="{5BCAD085-E8A6-8845-BD4E-CB4CCA059FC4}" type="datetimeFigureOut">
               <a:rPr lang="en-US" smtClean="0"/>
-              <a:t>2/16/2023</a:t>
+              <a:t>3/12/2023</a:t>
             </a:fld>
             <a:endParaRPr lang="en-US"/>
           </a:p>
@@ -2903,7 +2903,7 @@
           <a:p>
             <a:fld id="{5BCAD085-E8A6-8845-BD4E-CB4CCA059FC4}" type="datetimeFigureOut">
               <a:rPr lang="en-US" smtClean="0"/>
-              <a:t>2/16/2023</a:t>
+              <a:t>3/12/2023</a:t>
             </a:fld>
             <a:endParaRPr lang="en-US"/>
           </a:p>
@@ -3121,7 +3121,7 @@
             <a:fld id="{5BCAD085-E8A6-8845-BD4E-CB4CCA059FC4}" type="datetimeFigureOut">
               <a:rPr lang="en-US" smtClean="0"/>
               <a:pPr algn="r"/>
-              <a:t>2/16/2023</a:t>
+              <a:t>3/12/2023</a:t>
             </a:fld>
             <a:endParaRPr lang="en-US" dirty="0"/>
           </a:p>

--- a/template.pptx
+++ b/template.pptx
@@ -205,7 +205,7 @@
           <a:p>
             <a:fld id="{04C7BB72-0F92-4277-8BC3-6741867FF1E2}" type="datetimeFigureOut">
               <a:rPr lang="en-US" smtClean="0"/>
-              <a:t>3/12/2023</a:t>
+              <a:t>5/6/2023</a:t>
             </a:fld>
             <a:endParaRPr lang="en-US"/>
           </a:p>
@@ -651,7 +651,7 @@
           <a:p>
             <a:fld id="{5BCAD085-E8A6-8845-BD4E-CB4CCA059FC4}" type="datetimeFigureOut">
               <a:rPr lang="en-US" smtClean="0"/>
-              <a:t>3/12/2023</a:t>
+              <a:t>5/6/2023</a:t>
             </a:fld>
             <a:endParaRPr lang="en-US"/>
           </a:p>
@@ -824,7 +824,7 @@
           <a:p>
             <a:fld id="{5BCAD085-E8A6-8845-BD4E-CB4CCA059FC4}" type="datetimeFigureOut">
               <a:rPr lang="en-US" smtClean="0"/>
-              <a:t>3/12/2023</a:t>
+              <a:t>5/6/2023</a:t>
             </a:fld>
             <a:endParaRPr lang="en-US"/>
           </a:p>
@@ -1007,7 +1007,7 @@
           <a:p>
             <a:fld id="{5BCAD085-E8A6-8845-BD4E-CB4CCA059FC4}" type="datetimeFigureOut">
               <a:rPr lang="en-US" smtClean="0"/>
-              <a:t>3/12/2023</a:t>
+              <a:t>5/6/2023</a:t>
             </a:fld>
             <a:endParaRPr lang="en-US"/>
           </a:p>
@@ -1180,7 +1180,7 @@
           <a:p>
             <a:fld id="{5BCAD085-E8A6-8845-BD4E-CB4CCA059FC4}" type="datetimeFigureOut">
               <a:rPr lang="en-US" smtClean="0"/>
-              <a:t>3/12/2023</a:t>
+              <a:t>5/6/2023</a:t>
             </a:fld>
             <a:endParaRPr lang="en-US"/>
           </a:p>
@@ -1430,7 +1430,7 @@
           <a:p>
             <a:fld id="{5BCAD085-E8A6-8845-BD4E-CB4CCA059FC4}" type="datetimeFigureOut">
               <a:rPr lang="en-US" smtClean="0"/>
-              <a:t>3/12/2023</a:t>
+              <a:t>5/6/2023</a:t>
             </a:fld>
             <a:endParaRPr lang="en-US"/>
           </a:p>
@@ -1720,7 +1720,7 @@
           <a:p>
             <a:fld id="{5BCAD085-E8A6-8845-BD4E-CB4CCA059FC4}" type="datetimeFigureOut">
               <a:rPr lang="en-US" smtClean="0"/>
-              <a:t>3/12/2023</a:t>
+              <a:t>5/6/2023</a:t>
             </a:fld>
             <a:endParaRPr lang="en-US"/>
           </a:p>
@@ -2144,7 +2144,7 @@
           <a:p>
             <a:fld id="{5BCAD085-E8A6-8845-BD4E-CB4CCA059FC4}" type="datetimeFigureOut">
               <a:rPr lang="en-US" smtClean="0"/>
-              <a:t>3/12/2023</a:t>
+              <a:t>5/6/2023</a:t>
             </a:fld>
             <a:endParaRPr lang="en-US"/>
           </a:p>
@@ -2266,7 +2266,7 @@
           <a:p>
             <a:fld id="{5BCAD085-E8A6-8845-BD4E-CB4CCA059FC4}" type="datetimeFigureOut">
               <a:rPr lang="en-US" smtClean="0"/>
-              <a:t>3/12/2023</a:t>
+              <a:t>5/6/2023</a:t>
             </a:fld>
             <a:endParaRPr lang="en-US"/>
           </a:p>
@@ -2366,7 +2366,7 @@
           <a:p>
             <a:fld id="{5BCAD085-E8A6-8845-BD4E-CB4CCA059FC4}" type="datetimeFigureOut">
               <a:rPr lang="en-US" smtClean="0"/>
-              <a:t>3/12/2023</a:t>
+              <a:t>5/6/2023</a:t>
             </a:fld>
             <a:endParaRPr lang="en-US"/>
           </a:p>
@@ -2646,7 +2646,7 @@
           <a:p>
             <a:fld id="{5BCAD085-E8A6-8845-BD4E-CB4CCA059FC4}" type="datetimeFigureOut">
               <a:rPr lang="en-US" smtClean="0"/>
-              <a:t>3/12/2023</a:t>
+              <a:t>5/6/2023</a:t>
             </a:fld>
             <a:endParaRPr lang="en-US"/>
           </a:p>
@@ -2903,7 +2903,7 @@
           <a:p>
             <a:fld id="{5BCAD085-E8A6-8845-BD4E-CB4CCA059FC4}" type="datetimeFigureOut">
               <a:rPr lang="en-US" smtClean="0"/>
-              <a:t>3/12/2023</a:t>
+              <a:t>5/6/2023</a:t>
             </a:fld>
             <a:endParaRPr lang="en-US"/>
           </a:p>
@@ -3121,7 +3121,7 @@
             <a:fld id="{5BCAD085-E8A6-8845-BD4E-CB4CCA059FC4}" type="datetimeFigureOut">
               <a:rPr lang="en-US" smtClean="0"/>
               <a:pPr algn="r"/>
-              <a:t>3/12/2023</a:t>
+              <a:t>5/6/2023</a:t>
             </a:fld>
             <a:endParaRPr lang="en-US" dirty="0"/>
           </a:p>
